--- a/COL876.pptx
+++ b/COL876.pptx
@@ -125,6 +125,11 @@
       </a:defRPr>
     </a:lvl9pPr>
   </p:defaultTextStyle>
+  <p:extLst>
+    <p:ext uri="{EFAFB233-063F-42B5-8137-9DF3F51BA10A}">
+      <p15:sldGuideLst xmlns:p15="http://schemas.microsoft.com/office/powerpoint/2012/main"/>
+    </p:ext>
+  </p:extLst>
 </p:presentation>
 </file>
 
@@ -277,7 +282,7 @@
           <a:p>
             <a:fld id="{A17FD61E-E110-B540-A05C-D380EF4BEE5F}" type="datetimeFigureOut">
               <a:rPr lang="en-US" smtClean="0"/>
-              <a:t>10/25/24</a:t>
+              <a:t>10/30/24</a:t>
             </a:fld>
             <a:endParaRPr lang="en-US"/>
           </a:p>
@@ -477,7 +482,7 @@
           <a:p>
             <a:fld id="{A17FD61E-E110-B540-A05C-D380EF4BEE5F}" type="datetimeFigureOut">
               <a:rPr lang="en-US" smtClean="0"/>
-              <a:t>10/25/24</a:t>
+              <a:t>10/30/24</a:t>
             </a:fld>
             <a:endParaRPr lang="en-US"/>
           </a:p>
@@ -687,7 +692,7 @@
           <a:p>
             <a:fld id="{A17FD61E-E110-B540-A05C-D380EF4BEE5F}" type="datetimeFigureOut">
               <a:rPr lang="en-US" smtClean="0"/>
-              <a:t>10/25/24</a:t>
+              <a:t>10/30/24</a:t>
             </a:fld>
             <a:endParaRPr lang="en-US"/>
           </a:p>
@@ -887,7 +892,7 @@
           <a:p>
             <a:fld id="{A17FD61E-E110-B540-A05C-D380EF4BEE5F}" type="datetimeFigureOut">
               <a:rPr lang="en-US" smtClean="0"/>
-              <a:t>10/25/24</a:t>
+              <a:t>10/30/24</a:t>
             </a:fld>
             <a:endParaRPr lang="en-US"/>
           </a:p>
@@ -1163,7 +1168,7 @@
           <a:p>
             <a:fld id="{A17FD61E-E110-B540-A05C-D380EF4BEE5F}" type="datetimeFigureOut">
               <a:rPr lang="en-US" smtClean="0"/>
-              <a:t>10/25/24</a:t>
+              <a:t>10/30/24</a:t>
             </a:fld>
             <a:endParaRPr lang="en-US"/>
           </a:p>
@@ -1431,7 +1436,7 @@
           <a:p>
             <a:fld id="{A17FD61E-E110-B540-A05C-D380EF4BEE5F}" type="datetimeFigureOut">
               <a:rPr lang="en-US" smtClean="0"/>
-              <a:t>10/25/24</a:t>
+              <a:t>10/30/24</a:t>
             </a:fld>
             <a:endParaRPr lang="en-US"/>
           </a:p>
@@ -1846,7 +1851,7 @@
           <a:p>
             <a:fld id="{A17FD61E-E110-B540-A05C-D380EF4BEE5F}" type="datetimeFigureOut">
               <a:rPr lang="en-US" smtClean="0"/>
-              <a:t>10/25/24</a:t>
+              <a:t>10/30/24</a:t>
             </a:fld>
             <a:endParaRPr lang="en-US"/>
           </a:p>
@@ -1988,7 +1993,7 @@
           <a:p>
             <a:fld id="{A17FD61E-E110-B540-A05C-D380EF4BEE5F}" type="datetimeFigureOut">
               <a:rPr lang="en-US" smtClean="0"/>
-              <a:t>10/25/24</a:t>
+              <a:t>10/30/24</a:t>
             </a:fld>
             <a:endParaRPr lang="en-US"/>
           </a:p>
@@ -2101,7 +2106,7 @@
           <a:p>
             <a:fld id="{A17FD61E-E110-B540-A05C-D380EF4BEE5F}" type="datetimeFigureOut">
               <a:rPr lang="en-US" smtClean="0"/>
-              <a:t>10/25/24</a:t>
+              <a:t>10/30/24</a:t>
             </a:fld>
             <a:endParaRPr lang="en-US"/>
           </a:p>
@@ -2414,7 +2419,7 @@
           <a:p>
             <a:fld id="{A17FD61E-E110-B540-A05C-D380EF4BEE5F}" type="datetimeFigureOut">
               <a:rPr lang="en-US" smtClean="0"/>
-              <a:t>10/25/24</a:t>
+              <a:t>10/30/24</a:t>
             </a:fld>
             <a:endParaRPr lang="en-US"/>
           </a:p>
@@ -2703,7 +2708,7 @@
           <a:p>
             <a:fld id="{A17FD61E-E110-B540-A05C-D380EF4BEE5F}" type="datetimeFigureOut">
               <a:rPr lang="en-US" smtClean="0"/>
-              <a:t>10/25/24</a:t>
+              <a:t>10/30/24</a:t>
             </a:fld>
             <a:endParaRPr lang="en-US"/>
           </a:p>
@@ -2946,7 +2951,7 @@
           <a:p>
             <a:fld id="{A17FD61E-E110-B540-A05C-D380EF4BEE5F}" type="datetimeFigureOut">
               <a:rPr lang="en-US" smtClean="0"/>
-              <a:t>10/25/24</a:t>
+              <a:t>10/30/24</a:t>
             </a:fld>
             <a:endParaRPr lang="en-US"/>
           </a:p>
@@ -3532,8 +3537,8 @@
           </a:p>
         </p:txBody>
       </p:sp>
-      <mc:AlternateContent xmlns:mc="http://schemas.openxmlformats.org/markup-compatibility/2006">
-        <mc:Choice xmlns:a14="http://schemas.microsoft.com/office/drawing/2010/main" Requires="a14">
+      <mc:AlternateContent xmlns:mc="http://schemas.openxmlformats.org/markup-compatibility/2006" xmlns:a14="http://schemas.microsoft.com/office/drawing/2010/main">
+        <mc:Choice Requires="a14">
           <p:sp>
             <p:nvSpPr>
               <p:cNvPr id="3" name="Content Placeholder 2">
@@ -3925,7 +3930,7 @@
             </p:txBody>
           </p:sp>
         </mc:Choice>
-        <mc:Fallback>
+        <mc:Fallback xmlns="">
           <p:sp>
             <p:nvSpPr>
               <p:cNvPr id="3" name="Content Placeholder 2">
@@ -4701,8 +4706,8 @@
           </a:p>
         </p:txBody>
       </p:sp>
-      <mc:AlternateContent xmlns:mc="http://schemas.openxmlformats.org/markup-compatibility/2006">
-        <mc:Choice xmlns:a14="http://schemas.microsoft.com/office/drawing/2010/main" Requires="a14">
+      <mc:AlternateContent xmlns:mc="http://schemas.openxmlformats.org/markup-compatibility/2006" xmlns:a14="http://schemas.microsoft.com/office/drawing/2010/main">
+        <mc:Choice Requires="a14">
           <p:sp>
             <p:nvSpPr>
               <p:cNvPr id="3" name="Content Placeholder 2">
@@ -4972,7 +4977,7 @@
             </p:txBody>
           </p:sp>
         </mc:Choice>
-        <mc:Fallback>
+        <mc:Fallback xmlns="">
           <p:sp>
             <p:nvSpPr>
               <p:cNvPr id="3" name="Content Placeholder 2">
@@ -5070,8 +5075,8 @@
           </a:p>
         </p:txBody>
       </p:sp>
-      <mc:AlternateContent xmlns:mc="http://schemas.openxmlformats.org/markup-compatibility/2006">
-        <mc:Choice xmlns:a14="http://schemas.microsoft.com/office/drawing/2010/main" Requires="a14">
+      <mc:AlternateContent xmlns:mc="http://schemas.openxmlformats.org/markup-compatibility/2006" xmlns:a14="http://schemas.microsoft.com/office/drawing/2010/main">
+        <mc:Choice Requires="a14">
           <p:sp>
             <p:nvSpPr>
               <p:cNvPr id="5" name="Content Placeholder 2">
@@ -5460,7 +5465,7 @@
             </p:txBody>
           </p:sp>
         </mc:Choice>
-        <mc:Fallback>
+        <mc:Fallback xmlns="">
           <p:sp>
             <p:nvSpPr>
               <p:cNvPr id="5" name="Content Placeholder 2">
@@ -5788,8 +5793,8 @@
           </a:p>
         </p:txBody>
       </p:sp>
-      <mc:AlternateContent xmlns:mc="http://schemas.openxmlformats.org/markup-compatibility/2006">
-        <mc:Choice xmlns:a14="http://schemas.microsoft.com/office/drawing/2010/main" Requires="a14">
+      <mc:AlternateContent xmlns:mc="http://schemas.openxmlformats.org/markup-compatibility/2006" xmlns:a14="http://schemas.microsoft.com/office/drawing/2010/main">
+        <mc:Choice Requires="a14">
           <p:sp>
             <p:nvSpPr>
               <p:cNvPr id="3" name="Content Placeholder 2">
@@ -5850,7 +5855,7 @@
             </p:txBody>
           </p:sp>
         </mc:Choice>
-        <mc:Fallback>
+        <mc:Fallback xmlns="">
           <p:sp>
             <p:nvSpPr>
               <p:cNvPr id="3" name="Content Placeholder 2">
@@ -5982,8 +5987,8 @@
           </a:p>
         </p:txBody>
       </p:sp>
-      <mc:AlternateContent xmlns:mc="http://schemas.openxmlformats.org/markup-compatibility/2006">
-        <mc:Choice xmlns:a14="http://schemas.microsoft.com/office/drawing/2010/main" Requires="a14">
+      <mc:AlternateContent xmlns:mc="http://schemas.openxmlformats.org/markup-compatibility/2006" xmlns:a14="http://schemas.microsoft.com/office/drawing/2010/main">
+        <mc:Choice Requires="a14">
           <p:sp>
             <p:nvSpPr>
               <p:cNvPr id="3" name="Content Placeholder 2">
@@ -6345,7 +6350,7 @@
             </p:txBody>
           </p:sp>
         </mc:Choice>
-        <mc:Fallback>
+        <mc:Fallback xmlns="">
           <p:sp>
             <p:nvSpPr>
               <p:cNvPr id="3" name="Content Placeholder 2">
@@ -6458,8 +6463,8 @@
           </a:p>
         </p:txBody>
       </p:sp>
-      <mc:AlternateContent xmlns:mc="http://schemas.openxmlformats.org/markup-compatibility/2006">
-        <mc:Choice xmlns:a14="http://schemas.microsoft.com/office/drawing/2010/main" Requires="a14">
+      <mc:AlternateContent xmlns:mc="http://schemas.openxmlformats.org/markup-compatibility/2006" xmlns:a14="http://schemas.microsoft.com/office/drawing/2010/main">
+        <mc:Choice Requires="a14">
           <p:sp>
             <p:nvSpPr>
               <p:cNvPr id="3" name="Content Placeholder 2">
@@ -6690,7 +6695,7 @@
             </p:txBody>
           </p:sp>
         </mc:Choice>
-        <mc:Fallback>
+        <mc:Fallback xmlns="">
           <p:sp>
             <p:nvSpPr>
               <p:cNvPr id="3" name="Content Placeholder 2">
@@ -6857,8 +6862,8 @@
           </a:p>
         </p:txBody>
       </p:sp>
-      <mc:AlternateContent xmlns:mc="http://schemas.openxmlformats.org/markup-compatibility/2006">
-        <mc:Choice xmlns:a14="http://schemas.microsoft.com/office/drawing/2010/main" Requires="a14">
+      <mc:AlternateContent xmlns:mc="http://schemas.openxmlformats.org/markup-compatibility/2006" xmlns:a14="http://schemas.microsoft.com/office/drawing/2010/main">
+        <mc:Choice Requires="a14">
           <p:sp>
             <p:nvSpPr>
               <p:cNvPr id="3" name="Content Placeholder 2">
@@ -7646,7 +7651,7 @@
             </p:txBody>
           </p:sp>
         </mc:Choice>
-        <mc:Fallback>
+        <mc:Fallback xmlns="">
           <p:sp>
             <p:nvSpPr>
               <p:cNvPr id="3" name="Content Placeholder 2">
@@ -7753,8 +7758,8 @@
           </a:p>
         </p:txBody>
       </p:sp>
-      <mc:AlternateContent xmlns:mc="http://schemas.openxmlformats.org/markup-compatibility/2006">
-        <mc:Choice xmlns:a14="http://schemas.microsoft.com/office/drawing/2010/main" Requires="a14">
+      <mc:AlternateContent xmlns:mc="http://schemas.openxmlformats.org/markup-compatibility/2006" xmlns:a14="http://schemas.microsoft.com/office/drawing/2010/main">
+        <mc:Choice Requires="a14">
           <p:sp>
             <p:nvSpPr>
               <p:cNvPr id="3" name="Content Placeholder 2">
@@ -7960,7 +7965,7 @@
             </p:txBody>
           </p:sp>
         </mc:Choice>
-        <mc:Fallback>
+        <mc:Fallback xmlns="">
           <p:sp>
             <p:nvSpPr>
               <p:cNvPr id="3" name="Content Placeholder 2">
@@ -8274,8 +8279,8 @@
           <a:chExt cx="0" cy="0"/>
         </a:xfrm>
       </p:grpSpPr>
-      <mc:AlternateContent xmlns:mc="http://schemas.openxmlformats.org/markup-compatibility/2006">
-        <mc:Choice xmlns:a14="http://schemas.microsoft.com/office/drawing/2010/main" Requires="a14">
+      <mc:AlternateContent xmlns:mc="http://schemas.openxmlformats.org/markup-compatibility/2006" xmlns:a14="http://schemas.microsoft.com/office/drawing/2010/main">
+        <mc:Choice Requires="a14">
           <p:sp>
             <p:nvSpPr>
               <p:cNvPr id="2" name="Title 1">
@@ -8345,7 +8350,7 @@
             </p:txBody>
           </p:sp>
         </mc:Choice>
-        <mc:Fallback>
+        <mc:Fallback xmlns="">
           <p:sp>
             <p:nvSpPr>
               <p:cNvPr id="2" name="Title 1">
@@ -8389,8 +8394,8 @@
           </p:sp>
         </mc:Fallback>
       </mc:AlternateContent>
-      <mc:AlternateContent xmlns:mc="http://schemas.openxmlformats.org/markup-compatibility/2006">
-        <mc:Choice xmlns:a14="http://schemas.microsoft.com/office/drawing/2010/main" Requires="a14">
+      <mc:AlternateContent xmlns:mc="http://schemas.openxmlformats.org/markup-compatibility/2006" xmlns:a14="http://schemas.microsoft.com/office/drawing/2010/main">
+        <mc:Choice Requires="a14">
           <p:sp>
             <p:nvSpPr>
               <p:cNvPr id="3" name="Content Placeholder 2">
@@ -9323,7 +9328,7 @@
             </p:txBody>
           </p:sp>
         </mc:Choice>
-        <mc:Fallback>
+        <mc:Fallback xmlns="">
           <p:sp>
             <p:nvSpPr>
               <p:cNvPr id="3" name="Content Placeholder 2">
@@ -9413,12 +9418,31 @@
             <p:ph type="title"/>
           </p:nvPr>
         </p:nvSpPr>
-        <p:spPr/>
+        <p:spPr>
+          <a:xfrm>
+            <a:off x="0" y="0"/>
+            <a:ext cx="10515600" cy="1325563"/>
+          </a:xfrm>
+        </p:spPr>
         <p:txBody>
           <a:bodyPr/>
           <a:lstStyle/>
           <a:p>
-            <a:endParaRPr lang="en-US"/>
+            <a:r>
+              <a:rPr lang="en-US" b="1" dirty="0"/>
+              <a:t>D-</a:t>
+            </a:r>
+            <a:r>
+              <a:rPr lang="en-IN" b="1" i="0" dirty="0">
+                <a:effectLst/>
+                <a:latin typeface="Arial" panose="020B0604020202020204" pitchFamily="34" charset="0"/>
+              </a:rPr>
+              <a:t> Gröbner</a:t>
+            </a:r>
+            <a:r>
+              <a:rPr lang="en-US" b="1" dirty="0"/>
+              <a:t> Basis</a:t>
+            </a:r>
           </a:p>
         </p:txBody>
       </p:sp>
@@ -9438,12 +9462,227 @@
             <p:ph idx="1"/>
           </p:nvPr>
         </p:nvSpPr>
-        <p:spPr/>
+        <p:spPr>
+          <a:xfrm>
+            <a:off x="0" y="1072175"/>
+            <a:ext cx="12192000" cy="5295574"/>
+          </a:xfrm>
+        </p:spPr>
         <p:txBody>
           <a:bodyPr/>
           <a:lstStyle/>
           <a:p>
-            <a:endParaRPr lang="en-US"/>
+            <a:r>
+              <a:rPr lang="en-US" dirty="0"/>
+              <a:t>The question whether a circuit fulfills a given specification can be answered by an ideal membership test. </a:t>
+            </a:r>
+          </a:p>
+          <a:p>
+            <a:r>
+              <a:rPr lang="en-US" dirty="0"/>
+              <a:t>The theory of </a:t>
+            </a:r>
+            <a:r>
+              <a:rPr lang="en-IN" i="0" dirty="0">
+                <a:effectLst/>
+                <a:latin typeface="Arial" panose="020B0604020202020204" pitchFamily="34" charset="0"/>
+              </a:rPr>
+              <a:t>Gröbner </a:t>
+            </a:r>
+            <a:r>
+              <a:rPr lang="en-US" dirty="0"/>
+              <a:t>bases [4] offers a decision procedure for this problem.</a:t>
+            </a:r>
+          </a:p>
+          <a:p>
+            <a:r>
+              <a:rPr lang="en-IN" b="0" i="0" dirty="0">
+                <a:solidFill>
+                  <a:srgbClr val="202122"/>
+                </a:solidFill>
+                <a:effectLst/>
+                <a:latin typeface="Arial" panose="020B0604020202020204" pitchFamily="34" charset="0"/>
+              </a:rPr>
+              <a:t>Gröbner bases were introduced by </a:t>
+            </a:r>
+            <a:r>
+              <a:rPr lang="en-IN" b="0" i="0" u="none" strike="noStrike" dirty="0">
+                <a:effectLst/>
+                <a:latin typeface="Arial" panose="020B0604020202020204" pitchFamily="34" charset="0"/>
+                <a:hlinkClick r:id="rId2" tooltip="Bruno Buchberger"/>
+              </a:rPr>
+              <a:t>Bruno Buchberger</a:t>
+            </a:r>
+            <a:r>
+              <a:rPr lang="en-IN" b="0" i="0" dirty="0">
+                <a:solidFill>
+                  <a:srgbClr val="202122"/>
+                </a:solidFill>
+                <a:effectLst/>
+                <a:latin typeface="Arial" panose="020B0604020202020204" pitchFamily="34" charset="0"/>
+              </a:rPr>
+              <a:t> in his 1965 Ph.D. thesis, which also included an algorithm to compute them (</a:t>
+            </a:r>
+            <a:r>
+              <a:rPr lang="en-IN" b="0" i="0" u="none" strike="noStrike" dirty="0">
+                <a:effectLst/>
+                <a:latin typeface="Arial" panose="020B0604020202020204" pitchFamily="34" charset="0"/>
+                <a:hlinkClick r:id="rId3" tooltip="Buchberger's algorithm"/>
+              </a:rPr>
+              <a:t>Buchberger's algorithm</a:t>
+            </a:r>
+            <a:r>
+              <a:rPr lang="en-IN" b="0" i="0" dirty="0">
+                <a:solidFill>
+                  <a:srgbClr val="202122"/>
+                </a:solidFill>
+                <a:effectLst/>
+                <a:latin typeface="Arial" panose="020B0604020202020204" pitchFamily="34" charset="0"/>
+              </a:rPr>
+              <a:t>).</a:t>
+            </a:r>
+            <a:endParaRPr lang="en-US" dirty="0"/>
+          </a:p>
+          <a:p>
+            <a:r>
+              <a:rPr lang="en-IN" i="0" dirty="0">
+                <a:effectLst/>
+                <a:latin typeface="Arial" panose="020B0604020202020204" pitchFamily="34" charset="0"/>
+              </a:rPr>
+              <a:t>Gröbner basis is a particular kind of </a:t>
+            </a:r>
+            <a:r>
+              <a:rPr lang="en-IN" i="0" strike="noStrike" dirty="0">
+                <a:effectLst/>
+                <a:latin typeface="Arial" panose="020B0604020202020204" pitchFamily="34" charset="0"/>
+                <a:hlinkClick r:id="rId4" tooltip="Ideal (ring theory)">
+                  <a:extLst>
+                    <a:ext uri="{A12FA001-AC4F-418D-AE19-62706E023703}">
+                      <ahyp:hlinkClr xmlns:ahyp="http://schemas.microsoft.com/office/drawing/2018/hyperlinkcolor" val="tx"/>
+                    </a:ext>
+                  </a:extLst>
+                </a:hlinkClick>
+              </a:rPr>
+              <a:t>generating set of an ideal</a:t>
+            </a:r>
+            <a:r>
+              <a:rPr lang="en-IN" i="0" dirty="0">
+                <a:effectLst/>
+                <a:latin typeface="Arial" panose="020B0604020202020204" pitchFamily="34" charset="0"/>
+              </a:rPr>
+              <a:t> in a </a:t>
+            </a:r>
+            <a:r>
+              <a:rPr lang="en-IN" i="0" strike="noStrike" dirty="0">
+                <a:effectLst/>
+                <a:latin typeface="Arial" panose="020B0604020202020204" pitchFamily="34" charset="0"/>
+                <a:hlinkClick r:id="rId5" tooltip="Polynomial ring">
+                  <a:extLst>
+                    <a:ext uri="{A12FA001-AC4F-418D-AE19-62706E023703}">
+                      <ahyp:hlinkClr xmlns:ahyp="http://schemas.microsoft.com/office/drawing/2018/hyperlinkcolor" val="tx"/>
+                    </a:ext>
+                  </a:extLst>
+                </a:hlinkClick>
+              </a:rPr>
+              <a:t>polynomial ring</a:t>
+            </a:r>
+            <a:r>
+              <a:rPr lang="en-IN" i="0" dirty="0">
+                <a:effectLst/>
+                <a:latin typeface="Arial" panose="020B0604020202020204" pitchFamily="34" charset="0"/>
+              </a:rPr>
+              <a:t> </a:t>
+            </a:r>
+            <a:r>
+              <a:rPr lang="en-IN" i="1" dirty="0">
+                <a:latin typeface="Nimbus Roman No9 L"/>
+              </a:rPr>
+              <a:t>D</a:t>
+            </a:r>
+            <a:r>
+              <a:rPr lang="en-IN" i="0" dirty="0">
+                <a:effectLst/>
+                <a:latin typeface="Nimbus Roman No9 L"/>
+              </a:rPr>
+              <a:t>[</a:t>
+            </a:r>
+            <a:r>
+              <a:rPr lang="en-IN" i="1" dirty="0">
+                <a:effectLst/>
+                <a:latin typeface="Nimbus Roman No9 L"/>
+              </a:rPr>
+              <a:t>x</a:t>
+            </a:r>
+            <a:r>
+              <a:rPr lang="en-IN" i="0" baseline="-25000" dirty="0">
+                <a:effectLst/>
+                <a:latin typeface="Nimbus Roman No9 L"/>
+              </a:rPr>
+              <a:t>1</a:t>
+            </a:r>
+            <a:r>
+              <a:rPr lang="en-IN" i="0" dirty="0">
+                <a:effectLst/>
+                <a:latin typeface="Nimbus Roman No9 L"/>
+              </a:rPr>
+              <a:t>, ..., </a:t>
+            </a:r>
+            <a:r>
+              <a:rPr lang="en-IN" i="1" dirty="0" err="1">
+                <a:effectLst/>
+                <a:latin typeface="Nimbus Roman No9 L"/>
+              </a:rPr>
+              <a:t>x</a:t>
+            </a:r>
+            <a:r>
+              <a:rPr lang="en-IN" i="1" baseline="-25000" dirty="0" err="1">
+                <a:effectLst/>
+                <a:latin typeface="Nimbus Roman No9 L"/>
+              </a:rPr>
+              <a:t>n</a:t>
+            </a:r>
+            <a:r>
+              <a:rPr lang="en-IN" i="0" dirty="0">
+                <a:effectLst/>
+                <a:latin typeface="Nimbus Roman No9 L"/>
+              </a:rPr>
+              <a:t>]</a:t>
+            </a:r>
+            <a:r>
+              <a:rPr lang="en-IN" i="0" dirty="0">
+                <a:effectLst/>
+                <a:latin typeface="Arial" panose="020B0604020202020204" pitchFamily="34" charset="0"/>
+              </a:rPr>
+              <a:t> over a </a:t>
+            </a:r>
+            <a:r>
+              <a:rPr lang="en-IN" i="0" strike="noStrike" dirty="0">
+                <a:effectLst/>
+                <a:latin typeface="Arial" panose="020B0604020202020204" pitchFamily="34" charset="0"/>
+                <a:hlinkClick r:id="rId6" tooltip="Field (mathematics)">
+                  <a:extLst>
+                    <a:ext uri="{A12FA001-AC4F-418D-AE19-62706E023703}">
+                      <ahyp:hlinkClr xmlns:ahyp="http://schemas.microsoft.com/office/drawing/2018/hyperlinkcolor" val="tx"/>
+                    </a:ext>
+                  </a:extLst>
+                </a:hlinkClick>
+              </a:rPr>
+              <a:t>field</a:t>
+            </a:r>
+            <a:r>
+              <a:rPr lang="en-IN" i="0" dirty="0">
+                <a:effectLst/>
+                <a:latin typeface="Arial" panose="020B0604020202020204" pitchFamily="34" charset="0"/>
+              </a:rPr>
+              <a:t> </a:t>
+            </a:r>
+            <a:r>
+              <a:rPr lang="en-IN" i="1" dirty="0">
+                <a:latin typeface="Nimbus Roman No9 L"/>
+              </a:rPr>
+              <a:t>D. D is</a:t>
+            </a:r>
+            <a:endParaRPr lang="en-US" dirty="0"/>
           </a:p>
         </p:txBody>
       </p:sp>
@@ -9493,40 +9732,1089 @@
             <p:ph type="title"/>
           </p:nvPr>
         </p:nvSpPr>
-        <p:spPr/>
+        <p:spPr>
+          <a:xfrm>
+            <a:off x="0" y="0"/>
+            <a:ext cx="10515600" cy="1325563"/>
+          </a:xfrm>
+        </p:spPr>
         <p:txBody>
           <a:bodyPr/>
           <a:lstStyle/>
           <a:p>
-            <a:endParaRPr lang="en-US"/>
+            <a:r>
+              <a:rPr lang="en-US" dirty="0"/>
+              <a:t>Reduction</a:t>
+            </a:r>
           </a:p>
         </p:txBody>
       </p:sp>
-      <p:sp>
-        <p:nvSpPr>
-          <p:cNvPr id="3" name="Content Placeholder 2">
-            <a:extLst>
-              <a:ext uri="{FF2B5EF4-FFF2-40B4-BE49-F238E27FC236}">
-                <a16:creationId xmlns:a16="http://schemas.microsoft.com/office/drawing/2014/main" id="{DD117F72-3859-B9EA-23A4-F82860BB55BD}"/>
-              </a:ext>
-            </a:extLst>
-          </p:cNvPr>
-          <p:cNvSpPr>
-            <a:spLocks noGrp="1"/>
-          </p:cNvSpPr>
-          <p:nvPr>
-            <p:ph idx="1"/>
-          </p:nvPr>
-        </p:nvSpPr>
-        <p:spPr/>
-        <p:txBody>
-          <a:bodyPr/>
-          <a:lstStyle/>
-          <a:p>
-            <a:endParaRPr lang="en-US"/>
-          </a:p>
-        </p:txBody>
-      </p:sp>
+      <mc:AlternateContent xmlns:mc="http://schemas.openxmlformats.org/markup-compatibility/2006" xmlns:a14="http://schemas.microsoft.com/office/drawing/2010/main">
+        <mc:Choice Requires="a14">
+          <p:sp>
+            <p:nvSpPr>
+              <p:cNvPr id="3" name="Content Placeholder 2">
+                <a:extLst>
+                  <a:ext uri="{FF2B5EF4-FFF2-40B4-BE49-F238E27FC236}">
+                    <a16:creationId xmlns:a16="http://schemas.microsoft.com/office/drawing/2014/main" id="{DD117F72-3859-B9EA-23A4-F82860BB55BD}"/>
+                  </a:ext>
+                </a:extLst>
+              </p:cNvPr>
+              <p:cNvSpPr>
+                <a:spLocks noGrp="1"/>
+              </p:cNvSpPr>
+              <p:nvPr>
+                <p:ph idx="1"/>
+              </p:nvPr>
+            </p:nvSpPr>
+            <p:spPr>
+              <a:xfrm>
+                <a:off x="0" y="1253331"/>
+                <a:ext cx="12192000" cy="4453406"/>
+              </a:xfrm>
+            </p:spPr>
+            <p:txBody>
+              <a:bodyPr>
+                <a:normAutofit fontScale="92500" lnSpcReduction="10000"/>
+              </a:bodyPr>
+              <a:lstStyle/>
+              <a:p>
+                <a:r>
+                  <a:rPr lang="en-US" dirty="0"/>
+                  <a:t>A basis </a:t>
+                </a:r>
+                <a14:m>
+                  <m:oMath xmlns:m="http://schemas.openxmlformats.org/officeDocument/2006/math">
+                    <m:r>
+                      <a:rPr lang="en-US" i="1" dirty="0" smtClean="0">
+                        <a:latin typeface="Cambria Math" panose="02040503050406030204" pitchFamily="18" charset="0"/>
+                      </a:rPr>
+                      <m:t>𝑃</m:t>
+                    </m:r>
+                  </m:oMath>
+                </a14:m>
+                <a:r>
+                  <a:rPr lang="en-US" dirty="0"/>
+                  <a:t> of an ideal </a:t>
+                </a:r>
+                <a14:m>
+                  <m:oMath xmlns:m="http://schemas.openxmlformats.org/officeDocument/2006/math">
+                    <m:r>
+                      <a:rPr lang="en-US" i="1" dirty="0" smtClean="0">
+                        <a:latin typeface="Cambria Math" panose="02040503050406030204" pitchFamily="18" charset="0"/>
+                      </a:rPr>
+                      <m:t>𝐼</m:t>
+                    </m:r>
+                    <m:r>
+                      <a:rPr lang="en-US" i="1" dirty="0" smtClean="0">
+                        <a:latin typeface="Cambria Math" panose="02040503050406030204" pitchFamily="18" charset="0"/>
+                      </a:rPr>
+                      <m:t> ⊆</m:t>
+                    </m:r>
+                    <m:r>
+                      <a:rPr lang="en-US" i="1" dirty="0" smtClean="0">
+                        <a:latin typeface="Cambria Math" panose="02040503050406030204" pitchFamily="18" charset="0"/>
+                      </a:rPr>
+                      <m:t>𝐷</m:t>
+                    </m:r>
+                    <m:d>
+                      <m:dPr>
+                        <m:begChr m:val="["/>
+                        <m:endChr m:val="]"/>
+                        <m:ctrlPr>
+                          <a:rPr lang="en-US" i="1" dirty="0" smtClean="0">
+                            <a:latin typeface="Cambria Math" panose="02040503050406030204" pitchFamily="18" charset="0"/>
+                          </a:rPr>
+                        </m:ctrlPr>
+                      </m:dPr>
+                      <m:e>
+                        <m:r>
+                          <a:rPr lang="en-US" i="1" dirty="0" smtClean="0">
+                            <a:latin typeface="Cambria Math" panose="02040503050406030204" pitchFamily="18" charset="0"/>
+                          </a:rPr>
+                          <m:t>𝑋</m:t>
+                        </m:r>
+                      </m:e>
+                    </m:d>
+                  </m:oMath>
+                </a14:m>
+                <a:r>
+                  <a:rPr lang="en-US" dirty="0"/>
+                  <a:t> is called a </a:t>
+                </a:r>
+                <a:r>
+                  <a:rPr lang="en-US" sz="2600" dirty="0"/>
+                  <a:t>D-Gr</a:t>
+                </a:r>
+                <a:r>
+                  <a:rPr lang="en-IN" sz="2600" i="0" dirty="0" err="1">
+                    <a:effectLst/>
+                    <a:latin typeface="Arial" panose="020B0604020202020204" pitchFamily="34" charset="0"/>
+                  </a:rPr>
+                  <a:t>ö</a:t>
+                </a:r>
+                <a:r>
+                  <a:rPr lang="en-US" sz="2600" dirty="0"/>
+                  <a:t>bner basis </a:t>
+                </a:r>
+                <a:r>
+                  <a:rPr lang="en-US" dirty="0"/>
+                  <a:t>of I iff  </a:t>
+                </a:r>
+              </a:p>
+              <a:p>
+                <a:pPr marL="0" indent="0">
+                  <a:buNone/>
+                </a:pPr>
+                <a:r>
+                  <a:rPr lang="en-US" dirty="0"/>
+                  <a:t>     ∀ </a:t>
+                </a:r>
+                <a14:m>
+                  <m:oMath xmlns:m="http://schemas.openxmlformats.org/officeDocument/2006/math">
+                    <m:r>
+                      <a:rPr lang="en-US" i="1" dirty="0" smtClean="0">
+                        <a:latin typeface="Cambria Math" panose="02040503050406030204" pitchFamily="18" charset="0"/>
+                      </a:rPr>
+                      <m:t>𝑞</m:t>
+                    </m:r>
+                    <m:r>
+                      <a:rPr lang="en-US" i="1" dirty="0" smtClean="0">
+                        <a:latin typeface="Cambria Math" panose="02040503050406030204" pitchFamily="18" charset="0"/>
+                      </a:rPr>
+                      <m:t>∈</m:t>
+                    </m:r>
+                    <m:r>
+                      <a:rPr lang="en-US" i="1" dirty="0" smtClean="0">
+                        <a:latin typeface="Cambria Math" panose="02040503050406030204" pitchFamily="18" charset="0"/>
+                      </a:rPr>
+                      <m:t>𝐼</m:t>
+                    </m:r>
+                    <m:r>
+                      <a:rPr lang="en-US" i="1" dirty="0" smtClean="0">
+                        <a:latin typeface="Cambria Math" panose="02040503050406030204" pitchFamily="18" charset="0"/>
+                      </a:rPr>
+                      <m:t> ∃</m:t>
+                    </m:r>
+                    <m:r>
+                      <a:rPr lang="en-US" i="1" dirty="0" err="1" smtClean="0">
+                        <a:latin typeface="Cambria Math" panose="02040503050406030204" pitchFamily="18" charset="0"/>
+                      </a:rPr>
+                      <m:t>𝑝</m:t>
+                    </m:r>
+                    <m:r>
+                      <a:rPr lang="en-US" i="1" dirty="0" err="1" smtClean="0">
+                        <a:latin typeface="Cambria Math" panose="02040503050406030204" pitchFamily="18" charset="0"/>
+                      </a:rPr>
+                      <m:t>∈</m:t>
+                    </m:r>
+                    <m:r>
+                      <a:rPr lang="en-US" i="1" dirty="0" err="1" smtClean="0">
+                        <a:latin typeface="Cambria Math" panose="02040503050406030204" pitchFamily="18" charset="0"/>
+                      </a:rPr>
+                      <m:t>𝑃</m:t>
+                    </m:r>
+                    <m:r>
+                      <a:rPr lang="en-US" i="1" dirty="0" smtClean="0">
+                        <a:latin typeface="Cambria Math" panose="02040503050406030204" pitchFamily="18" charset="0"/>
+                      </a:rPr>
+                      <m:t> </m:t>
+                    </m:r>
+                  </m:oMath>
+                </a14:m>
+                <a:r>
+                  <a:rPr lang="en-US" dirty="0"/>
+                  <a:t>:</a:t>
+                </a:r>
+                <a:r>
+                  <a:rPr lang="en-US" dirty="0" err="1"/>
+                  <a:t>lm</a:t>
+                </a:r>
+                <a:r>
+                  <a:rPr lang="en-US" dirty="0"/>
+                  <a:t>(p)|</a:t>
+                </a:r>
+                <a:r>
+                  <a:rPr lang="en-US" dirty="0" err="1"/>
+                  <a:t>lm</a:t>
+                </a:r>
+                <a:r>
+                  <a:rPr lang="en-US" dirty="0"/>
+                  <a:t>(q).</a:t>
+                </a:r>
+              </a:p>
+              <a:p>
+                <a:r>
+                  <a:rPr lang="en-US" dirty="0"/>
+                  <a:t>Let </a:t>
+                </a:r>
+                <a14:m>
+                  <m:oMath xmlns:m="http://schemas.openxmlformats.org/officeDocument/2006/math">
+                    <m:r>
+                      <a:rPr lang="en-US" i="1" dirty="0" smtClean="0">
+                        <a:latin typeface="Cambria Math" panose="02040503050406030204" pitchFamily="18" charset="0"/>
+                      </a:rPr>
+                      <m:t>𝑝</m:t>
+                    </m:r>
+                    <m:r>
+                      <a:rPr lang="en-US" i="1" dirty="0" smtClean="0">
+                        <a:latin typeface="Cambria Math" panose="02040503050406030204" pitchFamily="18" charset="0"/>
+                      </a:rPr>
+                      <m:t>,</m:t>
+                    </m:r>
+                    <m:r>
+                      <a:rPr lang="en-US" i="1" dirty="0" smtClean="0">
+                        <a:latin typeface="Cambria Math" panose="02040503050406030204" pitchFamily="18" charset="0"/>
+                      </a:rPr>
+                      <m:t>𝑞</m:t>
+                    </m:r>
+                    <m:r>
+                      <a:rPr lang="en-US" i="1" dirty="0" smtClean="0">
+                        <a:latin typeface="Cambria Math" panose="02040503050406030204" pitchFamily="18" charset="0"/>
+                      </a:rPr>
+                      <m:t>,</m:t>
+                    </m:r>
+                    <m:r>
+                      <a:rPr lang="en-US" i="1" dirty="0" smtClean="0">
+                        <a:latin typeface="Cambria Math" panose="02040503050406030204" pitchFamily="18" charset="0"/>
+                      </a:rPr>
+                      <m:t>𝑟</m:t>
+                    </m:r>
+                    <m:r>
+                      <a:rPr lang="en-US" i="1" dirty="0" smtClean="0">
+                        <a:latin typeface="Cambria Math" panose="02040503050406030204" pitchFamily="18" charset="0"/>
+                      </a:rPr>
+                      <m:t> ∈</m:t>
+                    </m:r>
+                    <m:r>
+                      <a:rPr lang="en-US" i="1" dirty="0" smtClean="0">
+                        <a:latin typeface="Cambria Math" panose="02040503050406030204" pitchFamily="18" charset="0"/>
+                      </a:rPr>
+                      <m:t>𝐷</m:t>
+                    </m:r>
+                    <m:r>
+                      <a:rPr lang="en-US" i="1" dirty="0" smtClean="0">
+                        <a:latin typeface="Cambria Math" panose="02040503050406030204" pitchFamily="18" charset="0"/>
+                      </a:rPr>
+                      <m:t>[</m:t>
+                    </m:r>
+                    <m:r>
+                      <a:rPr lang="en-US" i="1" dirty="0" smtClean="0">
+                        <a:latin typeface="Cambria Math" panose="02040503050406030204" pitchFamily="18" charset="0"/>
+                      </a:rPr>
+                      <m:t>𝑋</m:t>
+                    </m:r>
+                    <m:r>
+                      <a:rPr lang="en-US" i="1" dirty="0" smtClean="0">
+                        <a:latin typeface="Cambria Math" panose="02040503050406030204" pitchFamily="18" charset="0"/>
+                      </a:rPr>
+                      <m:t>]. </m:t>
+                    </m:r>
+                  </m:oMath>
+                </a14:m>
+                <a:r>
+                  <a:rPr lang="en-US" dirty="0"/>
+                  <a:t>We say </a:t>
+                </a:r>
+                <a14:m>
+                  <m:oMath xmlns:m="http://schemas.openxmlformats.org/officeDocument/2006/math">
+                    <m:r>
+                      <a:rPr lang="en-US" i="1" dirty="0" smtClean="0">
+                        <a:latin typeface="Cambria Math" panose="02040503050406030204" pitchFamily="18" charset="0"/>
+                      </a:rPr>
+                      <m:t>𝑞</m:t>
+                    </m:r>
+                    <m:r>
+                      <a:rPr lang="en-US" i="1" dirty="0" smtClean="0">
+                        <a:latin typeface="Cambria Math" panose="02040503050406030204" pitchFamily="18" charset="0"/>
+                      </a:rPr>
+                      <m:t> </m:t>
+                    </m:r>
+                    <m:r>
+                      <a:rPr lang="en-US" i="1" dirty="0" smtClean="0">
+                        <a:latin typeface="Cambria Math" panose="02040503050406030204" pitchFamily="18" charset="0"/>
+                      </a:rPr>
+                      <m:t>𝐷</m:t>
+                    </m:r>
+                  </m:oMath>
+                </a14:m>
+                <a:r>
+                  <a:rPr lang="en-US" dirty="0"/>
+                  <a:t>-reduces to</a:t>
+                </a:r>
+                <a14:m>
+                  <m:oMath xmlns:m="http://schemas.openxmlformats.org/officeDocument/2006/math">
+                    <m:r>
+                      <a:rPr lang="en-US" i="1" dirty="0" smtClean="0">
+                        <a:latin typeface="Cambria Math" panose="02040503050406030204" pitchFamily="18" charset="0"/>
+                      </a:rPr>
+                      <m:t> </m:t>
+                    </m:r>
+                    <m:r>
+                      <a:rPr lang="en-US" i="1" dirty="0" smtClean="0">
+                        <a:latin typeface="Cambria Math" panose="02040503050406030204" pitchFamily="18" charset="0"/>
+                      </a:rPr>
+                      <m:t>𝑟</m:t>
+                    </m:r>
+                    <m:r>
+                      <a:rPr lang="en-US" i="1" dirty="0" smtClean="0">
+                        <a:latin typeface="Cambria Math" panose="02040503050406030204" pitchFamily="18" charset="0"/>
+                      </a:rPr>
+                      <m:t> </m:t>
+                    </m:r>
+                  </m:oMath>
+                </a14:m>
+                <a:r>
+                  <a:rPr lang="en-US" dirty="0" err="1"/>
+                  <a:t>w.r.t.</a:t>
+                </a:r>
+                <a:r>
+                  <a:rPr lang="en-US" dirty="0"/>
+                  <a:t> </a:t>
+                </a:r>
+                <a14:m>
+                  <m:oMath xmlns:m="http://schemas.openxmlformats.org/officeDocument/2006/math">
+                    <m:r>
+                      <a:rPr lang="en-US" i="1" dirty="0" smtClean="0">
+                        <a:latin typeface="Cambria Math" panose="02040503050406030204" pitchFamily="18" charset="0"/>
+                      </a:rPr>
+                      <m:t>𝑝</m:t>
+                    </m:r>
+                  </m:oMath>
+                </a14:m>
+                <a:r>
+                  <a:rPr lang="en-US" dirty="0"/>
+                  <a:t> if there exists a monomial </a:t>
+                </a:r>
+                <a14:m>
+                  <m:oMath xmlns:m="http://schemas.openxmlformats.org/officeDocument/2006/math">
+                    <m:r>
+                      <a:rPr lang="en-US" i="1" dirty="0" smtClean="0">
+                        <a:latin typeface="Cambria Math" panose="02040503050406030204" pitchFamily="18" charset="0"/>
+                      </a:rPr>
+                      <m:t>𝑚</m:t>
+                    </m:r>
+                    <m:r>
+                      <a:rPr lang="en-US" i="1" dirty="0" smtClean="0">
+                        <a:latin typeface="Cambria Math" panose="02040503050406030204" pitchFamily="18" charset="0"/>
+                      </a:rPr>
+                      <m:t>′ </m:t>
+                    </m:r>
+                  </m:oMath>
+                </a14:m>
+                <a:r>
+                  <a:rPr lang="en-US" dirty="0"/>
+                  <a:t>in </a:t>
+                </a:r>
+                <a14:m>
+                  <m:oMath xmlns:m="http://schemas.openxmlformats.org/officeDocument/2006/math">
+                    <m:r>
+                      <a:rPr lang="en-US" i="1" dirty="0" smtClean="0">
+                        <a:latin typeface="Cambria Math" panose="02040503050406030204" pitchFamily="18" charset="0"/>
+                      </a:rPr>
+                      <m:t>𝑞</m:t>
+                    </m:r>
+                  </m:oMath>
+                </a14:m>
+                <a:r>
+                  <a:rPr lang="en-US" dirty="0"/>
+                  <a:t> with </a:t>
+                </a:r>
+                <a14:m>
+                  <m:oMath xmlns:m="http://schemas.openxmlformats.org/officeDocument/2006/math">
+                    <m:r>
+                      <a:rPr lang="en-US" i="1" dirty="0" smtClean="0">
+                        <a:latin typeface="Cambria Math" panose="02040503050406030204" pitchFamily="18" charset="0"/>
+                      </a:rPr>
+                      <m:t>𝑚</m:t>
+                    </m:r>
+                    <m:r>
+                      <a:rPr lang="en-US" i="1" dirty="0" smtClean="0">
+                        <a:latin typeface="Cambria Math" panose="02040503050406030204" pitchFamily="18" charset="0"/>
+                      </a:rPr>
+                      <m:t>′=</m:t>
+                    </m:r>
+                    <m:r>
+                      <a:rPr lang="en-US" i="1" dirty="0" err="1" smtClean="0">
+                        <a:latin typeface="Cambria Math" panose="02040503050406030204" pitchFamily="18" charset="0"/>
+                      </a:rPr>
+                      <m:t>𝑚𝑙𝑚</m:t>
+                    </m:r>
+                    <m:r>
+                      <a:rPr lang="en-US" i="1" dirty="0" smtClean="0">
+                        <a:latin typeface="Cambria Math" panose="02040503050406030204" pitchFamily="18" charset="0"/>
+                      </a:rPr>
+                      <m:t>(</m:t>
+                    </m:r>
+                    <m:r>
+                      <a:rPr lang="en-US" i="1" dirty="0" smtClean="0">
+                        <a:latin typeface="Cambria Math" panose="02040503050406030204" pitchFamily="18" charset="0"/>
+                      </a:rPr>
+                      <m:t>𝑝</m:t>
+                    </m:r>
+                    <m:r>
+                      <a:rPr lang="en-US" i="1" dirty="0" smtClean="0">
+                        <a:latin typeface="Cambria Math" panose="02040503050406030204" pitchFamily="18" charset="0"/>
+                      </a:rPr>
+                      <m:t>)</m:t>
+                    </m:r>
+                  </m:oMath>
+                </a14:m>
+                <a:r>
+                  <a:rPr lang="en-US" dirty="0"/>
+                  <a:t> and </a:t>
+                </a:r>
+                <a14:m>
+                  <m:oMath xmlns:m="http://schemas.openxmlformats.org/officeDocument/2006/math">
+                    <m:r>
+                      <a:rPr lang="en-US" i="1" dirty="0" smtClean="0">
+                        <a:latin typeface="Cambria Math" panose="02040503050406030204" pitchFamily="18" charset="0"/>
+                      </a:rPr>
+                      <m:t>𝑟</m:t>
+                    </m:r>
+                    <m:r>
+                      <a:rPr lang="en-US" i="1" dirty="0" smtClean="0">
+                        <a:latin typeface="Cambria Math" panose="02040503050406030204" pitchFamily="18" charset="0"/>
+                      </a:rPr>
+                      <m:t>=</m:t>
+                    </m:r>
+                    <m:r>
+                      <a:rPr lang="en-US" i="1" dirty="0" smtClean="0">
+                        <a:latin typeface="Cambria Math" panose="02040503050406030204" pitchFamily="18" charset="0"/>
+                      </a:rPr>
+                      <m:t>𝑞</m:t>
+                    </m:r>
+                    <m:r>
+                      <a:rPr lang="en-US" i="1" dirty="0" smtClean="0">
+                        <a:latin typeface="Cambria Math" panose="02040503050406030204" pitchFamily="18" charset="0"/>
+                      </a:rPr>
+                      <m:t>−</m:t>
+                    </m:r>
+                    <m:r>
+                      <a:rPr lang="en-US" i="1" dirty="0" err="1" smtClean="0">
+                        <a:latin typeface="Cambria Math" panose="02040503050406030204" pitchFamily="18" charset="0"/>
+                      </a:rPr>
+                      <m:t>𝑚𝑝</m:t>
+                    </m:r>
+                  </m:oMath>
+                </a14:m>
+                <a:r>
+                  <a:rPr lang="en-US" dirty="0"/>
+                  <a:t>. </a:t>
+                </a:r>
+              </a:p>
+              <a:p>
+                <a:pPr marL="0" indent="0">
+                  <a:buNone/>
+                </a:pPr>
+                <a:r>
+                  <a:rPr lang="en-US" dirty="0"/>
+                  <a:t>   If </a:t>
+                </a:r>
+                <a14:m>
+                  <m:oMath xmlns:m="http://schemas.openxmlformats.org/officeDocument/2006/math">
+                    <m:r>
+                      <a:rPr lang="en-US" i="1" dirty="0" smtClean="0">
+                        <a:latin typeface="Cambria Math" panose="02040503050406030204" pitchFamily="18" charset="0"/>
+                      </a:rPr>
+                      <m:t>𝑚</m:t>
+                    </m:r>
+                    <m:r>
+                      <a:rPr lang="en-US" i="1" dirty="0" smtClean="0">
+                        <a:latin typeface="Cambria Math" panose="02040503050406030204" pitchFamily="18" charset="0"/>
+                      </a:rPr>
+                      <m:t>′=</m:t>
+                    </m:r>
+                    <m:r>
+                      <a:rPr lang="en-US" i="1" dirty="0" err="1" smtClean="0">
+                        <a:latin typeface="Cambria Math" panose="02040503050406030204" pitchFamily="18" charset="0"/>
+                      </a:rPr>
+                      <m:t>𝑙𝑚</m:t>
+                    </m:r>
+                    <m:r>
+                      <a:rPr lang="en-US" i="1" dirty="0" smtClean="0">
+                        <a:latin typeface="Cambria Math" panose="02040503050406030204" pitchFamily="18" charset="0"/>
+                      </a:rPr>
+                      <m:t>(</m:t>
+                    </m:r>
+                    <m:r>
+                      <a:rPr lang="en-US" i="1" dirty="0" smtClean="0">
+                        <a:latin typeface="Cambria Math" panose="02040503050406030204" pitchFamily="18" charset="0"/>
+                      </a:rPr>
+                      <m:t>𝑞</m:t>
+                    </m:r>
+                    <m:r>
+                      <a:rPr lang="en-US" i="1" dirty="0" smtClean="0">
+                        <a:latin typeface="Cambria Math" panose="02040503050406030204" pitchFamily="18" charset="0"/>
+                      </a:rPr>
+                      <m:t>), </m:t>
+                    </m:r>
+                  </m:oMath>
+                </a14:m>
+                <a:r>
+                  <a:rPr lang="en-US" dirty="0"/>
+                  <a:t>we call this top-D-reduction</a:t>
+                </a:r>
+              </a:p>
+              <a:p>
+                <a:r>
+                  <a:rPr lang="en-US" dirty="0"/>
+                  <a:t>Let </a:t>
+                </a:r>
+                <a14:m>
+                  <m:oMath xmlns:m="http://schemas.openxmlformats.org/officeDocument/2006/math">
+                    <m:r>
+                      <a:rPr lang="en-US" i="1" dirty="0" smtClean="0">
+                        <a:latin typeface="Cambria Math" panose="02040503050406030204" pitchFamily="18" charset="0"/>
+                      </a:rPr>
+                      <m:t>𝑞</m:t>
+                    </m:r>
+                    <m:r>
+                      <a:rPr lang="en-US" i="1" dirty="0" smtClean="0">
+                        <a:latin typeface="Cambria Math" panose="02040503050406030204" pitchFamily="18" charset="0"/>
+                      </a:rPr>
+                      <m:t> ∈</m:t>
+                    </m:r>
+                    <m:r>
+                      <a:rPr lang="en-US" i="1" dirty="0" smtClean="0">
+                        <a:latin typeface="Cambria Math" panose="02040503050406030204" pitchFamily="18" charset="0"/>
+                      </a:rPr>
+                      <m:t>𝐷</m:t>
+                    </m:r>
+                    <m:r>
+                      <a:rPr lang="en-US" i="1" dirty="0" smtClean="0">
+                        <a:latin typeface="Cambria Math" panose="02040503050406030204" pitchFamily="18" charset="0"/>
+                      </a:rPr>
+                      <m:t>[</m:t>
+                    </m:r>
+                    <m:r>
+                      <a:rPr lang="en-US" i="1" dirty="0" smtClean="0">
+                        <a:latin typeface="Cambria Math" panose="02040503050406030204" pitchFamily="18" charset="0"/>
+                      </a:rPr>
+                      <m:t>𝑋</m:t>
+                    </m:r>
+                    <m:r>
+                      <a:rPr lang="en-US" i="1" dirty="0" smtClean="0">
+                        <a:latin typeface="Cambria Math" panose="02040503050406030204" pitchFamily="18" charset="0"/>
+                      </a:rPr>
+                      <m:t>]</m:t>
+                    </m:r>
+                  </m:oMath>
+                </a14:m>
+                <a:r>
+                  <a:rPr lang="en-US" dirty="0"/>
+                  <a:t> and </a:t>
+                </a:r>
+                <a14:m>
+                  <m:oMath xmlns:m="http://schemas.openxmlformats.org/officeDocument/2006/math">
+                    <m:r>
+                      <a:rPr lang="en-US" i="1" dirty="0" smtClean="0">
+                        <a:latin typeface="Cambria Math" panose="02040503050406030204" pitchFamily="18" charset="0"/>
+                      </a:rPr>
+                      <m:t>𝑃</m:t>
+                    </m:r>
+                    <m:r>
+                      <a:rPr lang="en-US" i="1" dirty="0" smtClean="0">
+                        <a:latin typeface="Cambria Math" panose="02040503050406030204" pitchFamily="18" charset="0"/>
+                      </a:rPr>
+                      <m:t> ⊆</m:t>
+                    </m:r>
+                    <m:r>
+                      <a:rPr lang="en-US" i="1" dirty="0" smtClean="0">
+                        <a:latin typeface="Cambria Math" panose="02040503050406030204" pitchFamily="18" charset="0"/>
+                      </a:rPr>
+                      <m:t>𝐷</m:t>
+                    </m:r>
+                    <m:r>
+                      <a:rPr lang="en-US" i="1" dirty="0" smtClean="0">
+                        <a:latin typeface="Cambria Math" panose="02040503050406030204" pitchFamily="18" charset="0"/>
+                      </a:rPr>
+                      <m:t>[</m:t>
+                    </m:r>
+                    <m:r>
+                      <a:rPr lang="en-US" i="1" dirty="0" smtClean="0">
+                        <a:latin typeface="Cambria Math" panose="02040503050406030204" pitchFamily="18" charset="0"/>
+                      </a:rPr>
+                      <m:t>𝑋</m:t>
+                    </m:r>
+                    <m:r>
+                      <a:rPr lang="en-US" i="1" dirty="0" smtClean="0">
+                        <a:latin typeface="Cambria Math" panose="02040503050406030204" pitchFamily="18" charset="0"/>
+                      </a:rPr>
+                      <m:t>]. </m:t>
+                    </m:r>
+                  </m:oMath>
+                </a14:m>
+                <a:r>
+                  <a:rPr lang="en-US" dirty="0"/>
+                  <a:t>The remainder </a:t>
+                </a:r>
+                <a14:m>
+                  <m:oMath xmlns:m="http://schemas.openxmlformats.org/officeDocument/2006/math">
+                    <m:r>
+                      <a:rPr lang="en-US" i="1" dirty="0" smtClean="0">
+                        <a:latin typeface="Cambria Math" panose="02040503050406030204" pitchFamily="18" charset="0"/>
+                      </a:rPr>
+                      <m:t>𝑟</m:t>
+                    </m:r>
+                  </m:oMath>
+                </a14:m>
+                <a:r>
+                  <a:rPr lang="en-US" dirty="0"/>
+                  <a:t> of the D-reduction of </a:t>
+                </a:r>
+                <a14:m>
+                  <m:oMath xmlns:m="http://schemas.openxmlformats.org/officeDocument/2006/math">
+                    <m:r>
+                      <a:rPr lang="en-US" i="1" dirty="0" smtClean="0">
+                        <a:latin typeface="Cambria Math" panose="02040503050406030204" pitchFamily="18" charset="0"/>
+                      </a:rPr>
+                      <m:t>𝑞</m:t>
+                    </m:r>
+                  </m:oMath>
+                </a14:m>
+                <a:r>
+                  <a:rPr lang="en-US" dirty="0"/>
+                  <a:t> by </a:t>
+                </a:r>
+                <a14:m>
+                  <m:oMath xmlns:m="http://schemas.openxmlformats.org/officeDocument/2006/math">
+                    <m:r>
+                      <a:rPr lang="en-US" i="1" dirty="0" smtClean="0">
+                        <a:latin typeface="Cambria Math" panose="02040503050406030204" pitchFamily="18" charset="0"/>
+                      </a:rPr>
+                      <m:t>𝑃</m:t>
+                    </m:r>
+                  </m:oMath>
+                </a14:m>
+                <a:r>
+                  <a:rPr lang="en-US" dirty="0"/>
+                  <a:t> is such that </a:t>
+                </a:r>
+                <a14:m>
+                  <m:oMath xmlns:m="http://schemas.openxmlformats.org/officeDocument/2006/math">
+                    <m:r>
+                      <a:rPr lang="en-US" i="1" dirty="0" smtClean="0">
+                        <a:latin typeface="Cambria Math" panose="02040503050406030204" pitchFamily="18" charset="0"/>
+                      </a:rPr>
+                      <m:t>𝑞</m:t>
+                    </m:r>
+                    <m:r>
+                      <a:rPr lang="en-US" i="1" dirty="0" smtClean="0">
+                        <a:latin typeface="Cambria Math" panose="02040503050406030204" pitchFamily="18" charset="0"/>
+                      </a:rPr>
+                      <m:t>−</m:t>
+                    </m:r>
+                    <m:r>
+                      <a:rPr lang="en-US" i="1" dirty="0" smtClean="0">
+                        <a:latin typeface="Cambria Math" panose="02040503050406030204" pitchFamily="18" charset="0"/>
+                      </a:rPr>
+                      <m:t>𝑟</m:t>
+                    </m:r>
+                    <m:r>
+                      <a:rPr lang="en-US" i="1" dirty="0" smtClean="0">
+                        <a:latin typeface="Cambria Math" panose="02040503050406030204" pitchFamily="18" charset="0"/>
+                      </a:rPr>
+                      <m:t> ∈ ⟨</m:t>
+                    </m:r>
+                    <m:r>
+                      <a:rPr lang="en-US" i="1" dirty="0" smtClean="0">
+                        <a:latin typeface="Cambria Math" panose="02040503050406030204" pitchFamily="18" charset="0"/>
+                      </a:rPr>
+                      <m:t>𝑃</m:t>
+                    </m:r>
+                    <m:r>
+                      <a:rPr lang="en-US" i="1" dirty="0" smtClean="0">
+                        <a:latin typeface="Cambria Math" panose="02040503050406030204" pitchFamily="18" charset="0"/>
+                      </a:rPr>
+                      <m:t>⟩ </m:t>
+                    </m:r>
+                  </m:oMath>
+                </a14:m>
+                <a:r>
+                  <a:rPr lang="en-US" dirty="0"/>
+                  <a:t>and </a:t>
+                </a:r>
+                <a14:m>
+                  <m:oMath xmlns:m="http://schemas.openxmlformats.org/officeDocument/2006/math">
+                    <m:r>
+                      <a:rPr lang="en-US" i="1" dirty="0" smtClean="0">
+                        <a:latin typeface="Cambria Math" panose="02040503050406030204" pitchFamily="18" charset="0"/>
+                      </a:rPr>
+                      <m:t>𝑟</m:t>
+                    </m:r>
+                  </m:oMath>
+                </a14:m>
+                <a:r>
+                  <a:rPr lang="en-US" dirty="0"/>
+                  <a:t> is D-reduced </a:t>
+                </a:r>
+                <a:r>
+                  <a:rPr lang="en-US" dirty="0" err="1"/>
+                  <a:t>w.r.t.</a:t>
+                </a:r>
+                <a:r>
+                  <a:rPr lang="en-US" dirty="0"/>
+                  <a:t> </a:t>
+                </a:r>
+                <a14:m>
+                  <m:oMath xmlns:m="http://schemas.openxmlformats.org/officeDocument/2006/math">
+                    <m:r>
+                      <a:rPr lang="en-US" i="1" dirty="0" smtClean="0">
+                        <a:latin typeface="Cambria Math" panose="02040503050406030204" pitchFamily="18" charset="0"/>
+                      </a:rPr>
+                      <m:t>𝑃</m:t>
+                    </m:r>
+                  </m:oMath>
+                </a14:m>
+                <a:r>
+                  <a:rPr lang="en-US" dirty="0"/>
+                  <a:t>. If </a:t>
+                </a:r>
+                <a14:m>
+                  <m:oMath xmlns:m="http://schemas.openxmlformats.org/officeDocument/2006/math">
+                    <m:r>
+                      <a:rPr lang="en-US" i="1" dirty="0" smtClean="0">
+                        <a:latin typeface="Cambria Math" panose="02040503050406030204" pitchFamily="18" charset="0"/>
+                      </a:rPr>
+                      <m:t>𝑟</m:t>
+                    </m:r>
+                  </m:oMath>
+                </a14:m>
+                <a:r>
+                  <a:rPr lang="en-US" dirty="0"/>
+                  <a:t> is calculated using only top-D-reductions, then </a:t>
+                </a:r>
+                <a14:m>
+                  <m:oMath xmlns:m="http://schemas.openxmlformats.org/officeDocument/2006/math">
+                    <m:r>
+                      <a:rPr lang="en-US" i="1" dirty="0" smtClean="0">
+                        <a:latin typeface="Cambria Math" panose="02040503050406030204" pitchFamily="18" charset="0"/>
+                      </a:rPr>
+                      <m:t>𝑟</m:t>
+                    </m:r>
+                  </m:oMath>
+                </a14:m>
+                <a:r>
+                  <a:rPr lang="en-US" dirty="0"/>
+                  <a:t> is top-D-reduced </a:t>
+                </a:r>
+                <a:r>
+                  <a:rPr lang="en-US" dirty="0" err="1"/>
+                  <a:t>w.r.t.</a:t>
+                </a:r>
+                <a:r>
+                  <a:rPr lang="en-US" dirty="0"/>
+                  <a:t>  </a:t>
+                </a:r>
+                <a14:m>
+                  <m:oMath xmlns:m="http://schemas.openxmlformats.org/officeDocument/2006/math">
+                    <m:r>
+                      <a:rPr lang="en-US" i="1" dirty="0" smtClean="0">
+                        <a:latin typeface="Cambria Math" panose="02040503050406030204" pitchFamily="18" charset="0"/>
+                      </a:rPr>
+                      <m:t>𝑃</m:t>
+                    </m:r>
+                  </m:oMath>
+                </a14:m>
+                <a:r>
+                  <a:rPr lang="en-US" dirty="0"/>
+                  <a:t>. </a:t>
+                </a:r>
+              </a:p>
+              <a:p>
+                <a:r>
+                  <a:rPr lang="en-US" dirty="0"/>
+                  <a:t>Let </a:t>
+                </a:r>
+                <a14:m>
+                  <m:oMath xmlns:m="http://schemas.openxmlformats.org/officeDocument/2006/math">
+                    <m:r>
+                      <a:rPr lang="en-US" i="1" dirty="0" smtClean="0">
+                        <a:latin typeface="Cambria Math" panose="02040503050406030204" pitchFamily="18" charset="0"/>
+                      </a:rPr>
+                      <m:t>𝑞</m:t>
+                    </m:r>
+                    <m:r>
+                      <a:rPr lang="en-US" i="1" dirty="0" smtClean="0">
+                        <a:latin typeface="Cambria Math" panose="02040503050406030204" pitchFamily="18" charset="0"/>
+                      </a:rPr>
+                      <m:t>∈</m:t>
+                    </m:r>
+                    <m:r>
+                      <a:rPr lang="en-US" i="1" dirty="0" smtClean="0">
+                        <a:latin typeface="Cambria Math" panose="02040503050406030204" pitchFamily="18" charset="0"/>
+                      </a:rPr>
+                      <m:t>𝐷</m:t>
+                    </m:r>
+                    <m:r>
+                      <a:rPr lang="en-US" i="1" dirty="0" smtClean="0">
+                        <a:latin typeface="Cambria Math" panose="02040503050406030204" pitchFamily="18" charset="0"/>
+                      </a:rPr>
+                      <m:t>[</m:t>
+                    </m:r>
+                    <m:r>
+                      <a:rPr lang="en-US" i="1" dirty="0" smtClean="0">
+                        <a:latin typeface="Cambria Math" panose="02040503050406030204" pitchFamily="18" charset="0"/>
+                      </a:rPr>
+                      <m:t>𝑋</m:t>
+                    </m:r>
+                    <m:r>
+                      <a:rPr lang="en-US" i="1" dirty="0" smtClean="0">
+                        <a:latin typeface="Cambria Math" panose="02040503050406030204" pitchFamily="18" charset="0"/>
+                      </a:rPr>
+                      <m:t>] </m:t>
+                    </m:r>
+                  </m:oMath>
+                </a14:m>
+                <a:r>
+                  <a:rPr lang="en-US" dirty="0"/>
+                  <a:t>and </a:t>
+                </a:r>
+                <a14:m>
+                  <m:oMath xmlns:m="http://schemas.openxmlformats.org/officeDocument/2006/math">
+                    <m:r>
+                      <a:rPr lang="en-US" i="1" dirty="0" smtClean="0">
+                        <a:latin typeface="Cambria Math" panose="02040503050406030204" pitchFamily="18" charset="0"/>
+                      </a:rPr>
+                      <m:t>𝑃</m:t>
+                    </m:r>
+                    <m:r>
+                      <a:rPr lang="en-US" i="1" dirty="0" smtClean="0">
+                        <a:latin typeface="Cambria Math" panose="02040503050406030204" pitchFamily="18" charset="0"/>
+                      </a:rPr>
+                      <m:t> ⊆</m:t>
+                    </m:r>
+                    <m:r>
+                      <a:rPr lang="en-US" i="1" dirty="0" smtClean="0">
+                        <a:latin typeface="Cambria Math" panose="02040503050406030204" pitchFamily="18" charset="0"/>
+                      </a:rPr>
+                      <m:t>𝐷</m:t>
+                    </m:r>
+                    <m:r>
+                      <a:rPr lang="en-US" i="1" dirty="0" smtClean="0">
+                        <a:latin typeface="Cambria Math" panose="02040503050406030204" pitchFamily="18" charset="0"/>
+                      </a:rPr>
+                      <m:t>[</m:t>
+                    </m:r>
+                    <m:r>
+                      <a:rPr lang="en-US" i="1" dirty="0" smtClean="0">
+                        <a:latin typeface="Cambria Math" panose="02040503050406030204" pitchFamily="18" charset="0"/>
+                      </a:rPr>
+                      <m:t>𝑋</m:t>
+                    </m:r>
+                    <m:r>
+                      <a:rPr lang="en-US" i="1" dirty="0" smtClean="0">
+                        <a:latin typeface="Cambria Math" panose="02040503050406030204" pitchFamily="18" charset="0"/>
+                      </a:rPr>
+                      <m:t>] </m:t>
+                    </m:r>
+                  </m:oMath>
+                </a14:m>
+                <a:r>
+                  <a:rPr lang="en-US" dirty="0"/>
+                  <a:t>with UMLT. If </a:t>
+                </a:r>
+                <a14:m>
+                  <m:oMath xmlns:m="http://schemas.openxmlformats.org/officeDocument/2006/math">
+                    <m:r>
+                      <a:rPr lang="en-US" i="1" dirty="0" smtClean="0">
+                        <a:latin typeface="Cambria Math" panose="02040503050406030204" pitchFamily="18" charset="0"/>
+                      </a:rPr>
+                      <m:t>𝑙𝑐</m:t>
+                    </m:r>
+                    <m:r>
+                      <a:rPr lang="en-US" i="1" dirty="0" smtClean="0">
+                        <a:latin typeface="Cambria Math" panose="02040503050406030204" pitchFamily="18" charset="0"/>
+                      </a:rPr>
+                      <m:t>(</m:t>
+                    </m:r>
+                    <m:r>
+                      <a:rPr lang="en-US" i="1" dirty="0" smtClean="0">
+                        <a:latin typeface="Cambria Math" panose="02040503050406030204" pitchFamily="18" charset="0"/>
+                      </a:rPr>
+                      <m:t>𝑝</m:t>
+                    </m:r>
+                    <m:r>
+                      <a:rPr lang="en-US" i="1" dirty="0" smtClean="0">
+                        <a:latin typeface="Cambria Math" panose="02040503050406030204" pitchFamily="18" charset="0"/>
+                      </a:rPr>
+                      <m:t>)=±1 </m:t>
+                    </m:r>
+                  </m:oMath>
+                </a14:m>
+                <a:r>
+                  <a:rPr lang="en-US" dirty="0"/>
+                  <a:t>for </a:t>
+                </a:r>
+                <a14:m>
+                  <m:oMath xmlns:m="http://schemas.openxmlformats.org/officeDocument/2006/math">
+                    <m:r>
+                      <a:rPr lang="en-US" i="1" dirty="0" smtClean="0">
+                        <a:latin typeface="Cambria Math" panose="02040503050406030204" pitchFamily="18" charset="0"/>
+                      </a:rPr>
+                      <m:t>𝑝</m:t>
+                    </m:r>
+                    <m:r>
+                      <a:rPr lang="en-US" i="1" dirty="0" smtClean="0">
+                        <a:latin typeface="Cambria Math" panose="02040503050406030204" pitchFamily="18" charset="0"/>
+                      </a:rPr>
+                      <m:t> ∈ </m:t>
+                    </m:r>
+                    <m:r>
+                      <a:rPr lang="en-US" i="1" dirty="0" smtClean="0">
+                        <a:latin typeface="Cambria Math" panose="02040503050406030204" pitchFamily="18" charset="0"/>
+                      </a:rPr>
+                      <m:t>𝑃</m:t>
+                    </m:r>
+                  </m:oMath>
+                </a14:m>
+                <a:r>
+                  <a:rPr lang="en-US" dirty="0"/>
+                  <a:t>, then D-reduction of </a:t>
+                </a:r>
+                <a14:m>
+                  <m:oMath xmlns:m="http://schemas.openxmlformats.org/officeDocument/2006/math">
+                    <m:r>
+                      <a:rPr lang="en-US" i="1" dirty="0" smtClean="0">
+                        <a:latin typeface="Cambria Math" panose="02040503050406030204" pitchFamily="18" charset="0"/>
+                      </a:rPr>
+                      <m:t>𝑞</m:t>
+                    </m:r>
+                  </m:oMath>
+                </a14:m>
+                <a:r>
+                  <a:rPr lang="en-US" dirty="0"/>
+                  <a:t> w.r.t. </a:t>
+                </a:r>
+                <a14:m>
+                  <m:oMath xmlns:m="http://schemas.openxmlformats.org/officeDocument/2006/math">
+                    <m:r>
+                      <a:rPr lang="en-US" i="1" dirty="0" smtClean="0">
+                        <a:latin typeface="Cambria Math" panose="02040503050406030204" pitchFamily="18" charset="0"/>
+                      </a:rPr>
+                      <m:t>𝑝</m:t>
+                    </m:r>
+                  </m:oMath>
+                </a14:m>
+                <a:r>
+                  <a:rPr lang="en-US" dirty="0"/>
+                  <a:t> amounts to replacing every occurrence of </a:t>
+                </a:r>
+                <a14:m>
+                  <m:oMath xmlns:m="http://schemas.openxmlformats.org/officeDocument/2006/math">
+                    <m:r>
+                      <a:rPr lang="en-US" i="1" dirty="0" smtClean="0">
+                        <a:latin typeface="Cambria Math" panose="02040503050406030204" pitchFamily="18" charset="0"/>
+                      </a:rPr>
+                      <m:t>𝑙𝑡</m:t>
+                    </m:r>
+                    <m:r>
+                      <a:rPr lang="en-US" i="1" dirty="0" smtClean="0">
+                        <a:latin typeface="Cambria Math" panose="02040503050406030204" pitchFamily="18" charset="0"/>
+                      </a:rPr>
+                      <m:t>(</m:t>
+                    </m:r>
+                    <m:r>
+                      <a:rPr lang="en-US" i="1" dirty="0" smtClean="0">
+                        <a:latin typeface="Cambria Math" panose="02040503050406030204" pitchFamily="18" charset="0"/>
+                      </a:rPr>
+                      <m:t>𝑝</m:t>
+                    </m:r>
+                    <m:r>
+                      <a:rPr lang="en-US" i="1" dirty="0" smtClean="0">
+                        <a:latin typeface="Cambria Math" panose="02040503050406030204" pitchFamily="18" charset="0"/>
+                      </a:rPr>
+                      <m:t>) </m:t>
+                    </m:r>
+                  </m:oMath>
+                </a14:m>
+                <a:r>
+                  <a:rPr lang="en-US" dirty="0"/>
+                  <a:t>in </a:t>
+                </a:r>
+                <a14:m>
+                  <m:oMath xmlns:m="http://schemas.openxmlformats.org/officeDocument/2006/math">
+                    <m:r>
+                      <a:rPr lang="en-US" i="1" dirty="0" smtClean="0">
+                        <a:latin typeface="Cambria Math" panose="02040503050406030204" pitchFamily="18" charset="0"/>
+                      </a:rPr>
+                      <m:t>𝑞</m:t>
+                    </m:r>
+                  </m:oMath>
+                </a14:m>
+                <a:r>
+                  <a:rPr lang="en-US" dirty="0"/>
+                  <a:t> by the tail of </a:t>
+                </a:r>
+                <a14:m>
+                  <m:oMath xmlns:m="http://schemas.openxmlformats.org/officeDocument/2006/math">
+                    <m:r>
+                      <a:rPr lang="en-US" i="1" dirty="0" smtClean="0">
+                        <a:latin typeface="Cambria Math" panose="02040503050406030204" pitchFamily="18" charset="0"/>
+                      </a:rPr>
+                      <m:t>𝑝</m:t>
+                    </m:r>
+                  </m:oMath>
+                </a14:m>
+                <a:r>
+                  <a:rPr lang="en-US" dirty="0"/>
+                  <a:t>.</a:t>
+                </a:r>
+              </a:p>
+              <a:p>
+                <a:r>
+                  <a:rPr lang="en-US" dirty="0"/>
+                  <a:t>aa</a:t>
+                </a:r>
+              </a:p>
+            </p:txBody>
+          </p:sp>
+        </mc:Choice>
+        <mc:Fallback xmlns="">
+          <p:sp>
+            <p:nvSpPr>
+              <p:cNvPr id="3" name="Content Placeholder 2">
+                <a:extLst>
+                  <a:ext uri="{FF2B5EF4-FFF2-40B4-BE49-F238E27FC236}">
+                    <a16:creationId xmlns:a16="http://schemas.microsoft.com/office/drawing/2014/main" id="{DD117F72-3859-B9EA-23A4-F82860BB55BD}"/>
+                  </a:ext>
+                </a:extLst>
+              </p:cNvPr>
+              <p:cNvSpPr>
+                <a:spLocks noGrp="1" noRot="1" noChangeAspect="1" noMove="1" noResize="1" noEditPoints="1" noAdjustHandles="1" noChangeArrowheads="1" noChangeShapeType="1" noTextEdit="1"/>
+              </p:cNvSpPr>
+              <p:nvPr>
+                <p:ph idx="1"/>
+              </p:nvPr>
+            </p:nvSpPr>
+            <p:spPr>
+              <a:xfrm>
+                <a:off x="0" y="1253331"/>
+                <a:ext cx="12192000" cy="4453406"/>
+              </a:xfrm>
+              <a:blipFill>
+                <a:blip r:embed="rId2"/>
+                <a:stretch>
+                  <a:fillRect l="-832" t="-2557" b="-1136"/>
+                </a:stretch>
+              </a:blipFill>
+            </p:spPr>
+            <p:txBody>
+              <a:bodyPr/>
+              <a:lstStyle/>
+              <a:p>
+                <a:r>
+                  <a:rPr lang="en-US">
+                    <a:noFill/>
+                  </a:rPr>
+                  <a:t> </a:t>
+                </a:r>
+              </a:p>
+            </p:txBody>
+          </p:sp>
+        </mc:Fallback>
+      </mc:AlternateContent>
     </p:spTree>
     <p:extLst>
       <p:ext uri="{BB962C8B-B14F-4D97-AF65-F5344CB8AC3E}">
@@ -9614,13 +10902,13 @@
           <a:p>
             <a:r>
               <a:rPr lang="en-US" dirty="0"/>
-              <a:t>Notations and Terminologies</a:t>
+              <a:t>Don’t know what to name it</a:t>
             </a:r>
           </a:p>
           <a:p>
             <a:r>
               <a:rPr lang="en-US" dirty="0"/>
-              <a:t>How SAT can solve this</a:t>
+              <a:t>How SAT can solve this   ….. (Main Contribution of this Paper)</a:t>
             </a:r>
           </a:p>
           <a:p>
@@ -9963,12 +11251,14 @@
             </p:nvSpPr>
             <p:spPr>
               <a:xfrm>
-                <a:off x="838200" y="1253331"/>
-                <a:ext cx="10515600" cy="1515995"/>
+                <a:off x="838200" y="1153562"/>
+                <a:ext cx="11039061" cy="1461311"/>
               </a:xfrm>
             </p:spPr>
             <p:txBody>
-              <a:bodyPr/>
+              <a:bodyPr>
+                <a:normAutofit/>
+              </a:bodyPr>
               <a:lstStyle/>
               <a:p>
                 <a:r>
@@ -10052,13 +11342,13 @@
             </p:nvSpPr>
             <p:spPr>
               <a:xfrm>
-                <a:off x="838200" y="1253331"/>
-                <a:ext cx="10515600" cy="1515995"/>
+                <a:off x="838200" y="1153562"/>
+                <a:ext cx="11039061" cy="1461311"/>
               </a:xfrm>
               <a:blipFill>
                 <a:blip r:embed="rId2"/>
                 <a:stretch>
-                  <a:fillRect l="-1086" t="-6667" r="-965" b="-2500"/>
+                  <a:fillRect l="-1034" t="-6897" b="-6034"/>
                 </a:stretch>
               </a:blipFill>
             </p:spPr>
@@ -10194,8 +11484,8 @@
           </a:p>
         </p:txBody>
       </p:sp>
-      <mc:AlternateContent xmlns:mc="http://schemas.openxmlformats.org/markup-compatibility/2006">
-        <mc:Choice xmlns:a14="http://schemas.microsoft.com/office/drawing/2010/main" Requires="a14">
+      <mc:AlternateContent xmlns:mc="http://schemas.openxmlformats.org/markup-compatibility/2006" xmlns:a14="http://schemas.microsoft.com/office/drawing/2010/main">
+        <mc:Choice Requires="a14">
           <p:sp>
             <p:nvSpPr>
               <p:cNvPr id="6" name="Content Placeholder 2">
@@ -10687,7 +11977,7 @@
             </p:txBody>
           </p:sp>
         </mc:Choice>
-        <mc:Fallback>
+        <mc:Fallback xmlns="">
           <p:sp>
             <p:nvSpPr>
               <p:cNvPr id="6" name="Content Placeholder 2">
@@ -10732,8 +12022,8 @@
           </p:sp>
         </mc:Fallback>
       </mc:AlternateContent>
-      <mc:AlternateContent xmlns:mc="http://schemas.openxmlformats.org/markup-compatibility/2006">
-        <mc:Choice xmlns:a14="http://schemas.microsoft.com/office/drawing/2010/main" Requires="a14">
+      <mc:AlternateContent xmlns:mc="http://schemas.openxmlformats.org/markup-compatibility/2006" xmlns:a14="http://schemas.microsoft.com/office/drawing/2010/main">
+        <mc:Choice Requires="a14">
           <p:sp>
             <p:nvSpPr>
               <p:cNvPr id="7" name="TextBox 6">
@@ -10762,6 +12052,7 @@
               </a:bodyPr>
               <a:lstStyle/>
               <a:p>
+                <a:pPr/>
                 <a14:m>
                   <m:oMathPara xmlns:m="http://schemas.openxmlformats.org/officeDocument/2006/math">
                     <m:oMathParaPr>
@@ -10951,7 +12242,7 @@
             </p:txBody>
           </p:sp>
         </mc:Choice>
-        <mc:Fallback>
+        <mc:Fallback xmlns="">
           <p:sp>
             <p:nvSpPr>
               <p:cNvPr id="7" name="TextBox 6">
@@ -11284,8 +12575,8 @@
           </a:p>
         </p:txBody>
       </p:sp>
-      <mc:AlternateContent xmlns:mc="http://schemas.openxmlformats.org/markup-compatibility/2006">
-        <mc:Choice xmlns:a14="http://schemas.microsoft.com/office/drawing/2010/main" Requires="a14">
+      <mc:AlternateContent xmlns:mc="http://schemas.openxmlformats.org/markup-compatibility/2006" xmlns:a14="http://schemas.microsoft.com/office/drawing/2010/main">
+        <mc:Choice Requires="a14">
           <p:sp>
             <p:nvSpPr>
               <p:cNvPr id="3" name="Content Placeholder 2">
@@ -11668,7 +12959,7 @@
             </p:txBody>
           </p:sp>
         </mc:Choice>
-        <mc:Fallback>
+        <mc:Fallback xmlns="">
           <p:sp>
             <p:nvSpPr>
               <p:cNvPr id="3" name="Content Placeholder 2">
@@ -12460,8 +13751,8 @@
           </a:p>
         </p:txBody>
       </p:sp>
-      <mc:AlternateContent xmlns:mc="http://schemas.openxmlformats.org/markup-compatibility/2006">
-        <mc:Choice xmlns:a14="http://schemas.microsoft.com/office/drawing/2010/main" Requires="a14">
+      <mc:AlternateContent xmlns:mc="http://schemas.openxmlformats.org/markup-compatibility/2006" xmlns:a14="http://schemas.microsoft.com/office/drawing/2010/main">
+        <mc:Choice Requires="a14">
           <p:sp>
             <p:nvSpPr>
               <p:cNvPr id="3" name="Content Placeholder 2">
@@ -12996,7 +14287,7 @@
             </p:txBody>
           </p:sp>
         </mc:Choice>
-        <mc:Fallback>
+        <mc:Fallback xmlns="">
           <p:sp>
             <p:nvSpPr>
               <p:cNvPr id="3" name="Content Placeholder 2">
@@ -13524,8 +14815,8 @@
           </a:p>
         </p:txBody>
       </p:sp>
-      <mc:AlternateContent xmlns:mc="http://schemas.openxmlformats.org/markup-compatibility/2006">
-        <mc:Choice xmlns:a14="http://schemas.microsoft.com/office/drawing/2010/main" Requires="a14">
+      <mc:AlternateContent xmlns:mc="http://schemas.openxmlformats.org/markup-compatibility/2006" xmlns:a14="http://schemas.microsoft.com/office/drawing/2010/main">
+        <mc:Choice Requires="a14">
           <p:sp>
             <p:nvSpPr>
               <p:cNvPr id="3" name="Content Placeholder 2">
@@ -13779,7 +15070,7 @@
             </p:txBody>
           </p:sp>
         </mc:Choice>
-        <mc:Fallback>
+        <mc:Fallback xmlns="">
           <p:sp>
             <p:nvSpPr>
               <p:cNvPr id="3" name="Content Placeholder 2">
@@ -14161,8 +15452,8 @@
           </a:p>
         </p:txBody>
       </p:sp>
-      <mc:AlternateContent xmlns:mc="http://schemas.openxmlformats.org/markup-compatibility/2006">
-        <mc:Choice xmlns:a14="http://schemas.microsoft.com/office/drawing/2010/main" Requires="a14">
+      <mc:AlternateContent xmlns:mc="http://schemas.openxmlformats.org/markup-compatibility/2006" xmlns:a14="http://schemas.microsoft.com/office/drawing/2010/main">
+        <mc:Choice Requires="a14">
           <p:sp>
             <p:nvSpPr>
               <p:cNvPr id="3" name="Content Placeholder 2">
@@ -15488,14 +16779,7 @@
                         <a:latin typeface="Cambria Math" panose="02040503050406030204" pitchFamily="18" charset="0"/>
                         <a:ea typeface="Cambria Math" panose="02040503050406030204" pitchFamily="18" charset="0"/>
                       </a:rPr>
-                      <m:t>&lt;</m:t>
-                    </m:r>
-                    <m:r>
-                      <a:rPr lang="en-US" b="0" i="1" smtClean="0">
-                        <a:latin typeface="Cambria Math" panose="02040503050406030204" pitchFamily="18" charset="0"/>
-                        <a:ea typeface="Cambria Math" panose="02040503050406030204" pitchFamily="18" charset="0"/>
-                      </a:rPr>
-                      <m:t> </m:t>
+                      <m:t>&lt; </m:t>
                     </m:r>
                     <m:sSub>
                       <m:sSubPr>
@@ -15688,7 +16972,7 @@
             </p:txBody>
           </p:sp>
         </mc:Choice>
-        <mc:Fallback>
+        <mc:Fallback xmlns="">
           <p:sp>
             <p:nvSpPr>
               <p:cNvPr id="3" name="Content Placeholder 2">
@@ -16341,8 +17625,8 @@
           </a:p>
         </p:txBody>
       </p:sp>
-      <mc:AlternateContent xmlns:mc="http://schemas.openxmlformats.org/markup-compatibility/2006">
-        <mc:Choice xmlns:a14="http://schemas.microsoft.com/office/drawing/2010/main" Requires="a14">
+      <mc:AlternateContent xmlns:mc="http://schemas.openxmlformats.org/markup-compatibility/2006" xmlns:a14="http://schemas.microsoft.com/office/drawing/2010/main">
+        <mc:Choice Requires="a14">
           <p:sp>
             <p:nvSpPr>
               <p:cNvPr id="3" name="Content Placeholder 2">
@@ -16631,15 +17915,7 @@
                         <a:ea typeface="Cambria Math" panose="02040503050406030204" pitchFamily="18" charset="0"/>
                         <a:sym typeface="Wingdings" pitchFamily="2" charset="2"/>
                       </a:rPr>
-                      <m:t>0 =</m:t>
-                    </m:r>
-                    <m:r>
-                      <a:rPr lang="en-US" b="0" i="1" dirty="0" smtClean="0">
-                        <a:latin typeface="Cambria Math" panose="02040503050406030204" pitchFamily="18" charset="0"/>
-                        <a:ea typeface="Cambria Math" panose="02040503050406030204" pitchFamily="18" charset="0"/>
-                        <a:sym typeface="Wingdings" pitchFamily="2" charset="2"/>
-                      </a:rPr>
-                      <m:t>−</m:t>
+                      <m:t>0 =−</m:t>
                     </m:r>
                     <m:r>
                       <a:rPr lang="en-US" b="0" i="1" dirty="0" smtClean="0">
@@ -16786,15 +18062,7 @@
                         <a:ea typeface="Cambria Math" panose="02040503050406030204" pitchFamily="18" charset="0"/>
                         <a:sym typeface="Wingdings" pitchFamily="2" charset="2"/>
                       </a:rPr>
-                      <m:t>0 =</m:t>
-                    </m:r>
-                    <m:r>
-                      <a:rPr lang="en-US" b="0" i="1" dirty="0" smtClean="0">
-                        <a:latin typeface="Cambria Math" panose="02040503050406030204" pitchFamily="18" charset="0"/>
-                        <a:ea typeface="Cambria Math" panose="02040503050406030204" pitchFamily="18" charset="0"/>
-                        <a:sym typeface="Wingdings" pitchFamily="2" charset="2"/>
-                      </a:rPr>
-                      <m:t>−</m:t>
+                      <m:t>0 =−</m:t>
                     </m:r>
                     <m:r>
                       <a:rPr lang="en-US" b="0" i="1" dirty="0" smtClean="0">
@@ -16980,7 +18248,7 @@
             </p:txBody>
           </p:sp>
         </mc:Choice>
-        <mc:Fallback>
+        <mc:Fallback xmlns="">
           <p:sp>
             <p:nvSpPr>
               <p:cNvPr id="3" name="Content Placeholder 2">
@@ -17535,8 +18803,8 @@
           </a:p>
         </p:txBody>
       </p:sp>
-      <mc:AlternateContent xmlns:mc="http://schemas.openxmlformats.org/markup-compatibility/2006">
-        <mc:Choice xmlns:a14="http://schemas.microsoft.com/office/drawing/2010/main" Requires="a14">
+      <mc:AlternateContent xmlns:mc="http://schemas.openxmlformats.org/markup-compatibility/2006" xmlns:a14="http://schemas.microsoft.com/office/drawing/2010/main">
+        <mc:Choice Requires="a14">
           <p:sp>
             <p:nvSpPr>
               <p:cNvPr id="3" name="Content Placeholder 2">
@@ -18262,7 +19530,7 @@
             </p:txBody>
           </p:sp>
         </mc:Choice>
-        <mc:Fallback>
+        <mc:Fallback xmlns="">
           <p:sp>
             <p:nvSpPr>
               <p:cNvPr id="3" name="Content Placeholder 2">
